--- a/Apresentação.pptx
+++ b/Apresentação.pptx
@@ -10,9 +10,11 @@
     <p:sldId id="258" r:id="rId4"/>
     <p:sldId id="259" r:id="rId5"/>
     <p:sldId id="260" r:id="rId6"/>
-    <p:sldId id="261" r:id="rId7"/>
-    <p:sldId id="262" r:id="rId8"/>
-    <p:sldId id="263" r:id="rId9"/>
+    <p:sldId id="265" r:id="rId7"/>
+    <p:sldId id="261" r:id="rId8"/>
+    <p:sldId id="264" r:id="rId9"/>
+    <p:sldId id="262" r:id="rId10"/>
+    <p:sldId id="263" r:id="rId11"/>
   </p:sldIdLst>
   <p:sldSz cx="12192000" cy="6858000"/>
   <p:notesSz cx="6858000" cy="9144000"/>
@@ -121,12 +123,17 @@
             <p14:sldId id="258"/>
             <p14:sldId id="259"/>
             <p14:sldId id="260"/>
+            <p14:sldId id="265"/>
             <p14:sldId id="261"/>
+            <p14:sldId id="264"/>
             <p14:sldId id="262"/>
             <p14:sldId id="263"/>
           </p14:sldIdLst>
         </p14:section>
       </p14:sectionLst>
+    </p:ext>
+    <p:ext uri="{EFAFB233-063F-42B5-8137-9DF3F51BA10A}">
+      <p15:sldGuideLst xmlns:p15="http://schemas.microsoft.com/office/powerpoint/2012/main"/>
     </p:ext>
   </p:extLst>
 </p:presentation>
@@ -854,7 +861,7 @@
           <a:p>
             <a:fld id="{2E8FEB25-C4DF-4D32-82CE-89AD90C8F08F}" type="datetimeFigureOut">
               <a:rPr lang="pt-BR" smtClean="0"/>
-              <a:t>10/11/2019</a:t>
+              <a:t>11/11/2019</a:t>
             </a:fld>
             <a:endParaRPr lang="pt-BR"/>
           </a:p>
@@ -1105,7 +1112,7 @@
           <a:p>
             <a:fld id="{2E8FEB25-C4DF-4D32-82CE-89AD90C8F08F}" type="datetimeFigureOut">
               <a:rPr lang="pt-BR" smtClean="0"/>
-              <a:t>10/11/2019</a:t>
+              <a:t>11/11/2019</a:t>
             </a:fld>
             <a:endParaRPr lang="pt-BR"/>
           </a:p>
@@ -1419,7 +1426,7 @@
           <a:p>
             <a:fld id="{2E8FEB25-C4DF-4D32-82CE-89AD90C8F08F}" type="datetimeFigureOut">
               <a:rPr lang="pt-BR" smtClean="0"/>
-              <a:t>10/11/2019</a:t>
+              <a:t>11/11/2019</a:t>
             </a:fld>
             <a:endParaRPr lang="pt-BR"/>
           </a:p>
@@ -1760,7 +1767,7 @@
           <a:p>
             <a:fld id="{2E8FEB25-C4DF-4D32-82CE-89AD90C8F08F}" type="datetimeFigureOut">
               <a:rPr lang="pt-BR" smtClean="0"/>
-              <a:t>10/11/2019</a:t>
+              <a:t>11/11/2019</a:t>
             </a:fld>
             <a:endParaRPr lang="pt-BR"/>
           </a:p>
@@ -2074,7 +2081,7 @@
           <a:p>
             <a:fld id="{2E8FEB25-C4DF-4D32-82CE-89AD90C8F08F}" type="datetimeFigureOut">
               <a:rPr lang="pt-BR" smtClean="0"/>
-              <a:t>10/11/2019</a:t>
+              <a:t>11/11/2019</a:t>
             </a:fld>
             <a:endParaRPr lang="pt-BR"/>
           </a:p>
@@ -2467,7 +2474,7 @@
           <a:p>
             <a:fld id="{2E8FEB25-C4DF-4D32-82CE-89AD90C8F08F}" type="datetimeFigureOut">
               <a:rPr lang="pt-BR" smtClean="0"/>
-              <a:t>10/11/2019</a:t>
+              <a:t>11/11/2019</a:t>
             </a:fld>
             <a:endParaRPr lang="pt-BR"/>
           </a:p>
@@ -2637,7 +2644,7 @@
           <a:p>
             <a:fld id="{2E8FEB25-C4DF-4D32-82CE-89AD90C8F08F}" type="datetimeFigureOut">
               <a:rPr lang="pt-BR" smtClean="0"/>
-              <a:t>10/11/2019</a:t>
+              <a:t>11/11/2019</a:t>
             </a:fld>
             <a:endParaRPr lang="pt-BR"/>
           </a:p>
@@ -2817,7 +2824,7 @@
           <a:p>
             <a:fld id="{2E8FEB25-C4DF-4D32-82CE-89AD90C8F08F}" type="datetimeFigureOut">
               <a:rPr lang="pt-BR" smtClean="0"/>
-              <a:t>10/11/2019</a:t>
+              <a:t>11/11/2019</a:t>
             </a:fld>
             <a:endParaRPr lang="pt-BR"/>
           </a:p>
@@ -2993,7 +3000,7 @@
           <a:p>
             <a:fld id="{2E8FEB25-C4DF-4D32-82CE-89AD90C8F08F}" type="datetimeFigureOut">
               <a:rPr lang="pt-BR" smtClean="0"/>
-              <a:t>10/11/2019</a:t>
+              <a:t>11/11/2019</a:t>
             </a:fld>
             <a:endParaRPr lang="pt-BR"/>
           </a:p>
@@ -3240,7 +3247,7 @@
           <a:p>
             <a:fld id="{2E8FEB25-C4DF-4D32-82CE-89AD90C8F08F}" type="datetimeFigureOut">
               <a:rPr lang="pt-BR" smtClean="0"/>
-              <a:t>10/11/2019</a:t>
+              <a:t>11/11/2019</a:t>
             </a:fld>
             <a:endParaRPr lang="pt-BR"/>
           </a:p>
@@ -3472,7 +3479,7 @@
           <a:p>
             <a:fld id="{2E8FEB25-C4DF-4D32-82CE-89AD90C8F08F}" type="datetimeFigureOut">
               <a:rPr lang="pt-BR" smtClean="0"/>
-              <a:t>10/11/2019</a:t>
+              <a:t>11/11/2019</a:t>
             </a:fld>
             <a:endParaRPr lang="pt-BR"/>
           </a:p>
@@ -3846,7 +3853,7 @@
           <a:p>
             <a:fld id="{2E8FEB25-C4DF-4D32-82CE-89AD90C8F08F}" type="datetimeFigureOut">
               <a:rPr lang="pt-BR" smtClean="0"/>
-              <a:t>10/11/2019</a:t>
+              <a:t>11/11/2019</a:t>
             </a:fld>
             <a:endParaRPr lang="pt-BR"/>
           </a:p>
@@ -3969,7 +3976,7 @@
           <a:p>
             <a:fld id="{2E8FEB25-C4DF-4D32-82CE-89AD90C8F08F}" type="datetimeFigureOut">
               <a:rPr lang="pt-BR" smtClean="0"/>
-              <a:t>10/11/2019</a:t>
+              <a:t>11/11/2019</a:t>
             </a:fld>
             <a:endParaRPr lang="pt-BR"/>
           </a:p>
@@ -4064,7 +4071,7 @@
           <a:p>
             <a:fld id="{2E8FEB25-C4DF-4D32-82CE-89AD90C8F08F}" type="datetimeFigureOut">
               <a:rPr lang="pt-BR" smtClean="0"/>
-              <a:t>10/11/2019</a:t>
+              <a:t>11/11/2019</a:t>
             </a:fld>
             <a:endParaRPr lang="pt-BR"/>
           </a:p>
@@ -4319,7 +4326,7 @@
           <a:p>
             <a:fld id="{2E8FEB25-C4DF-4D32-82CE-89AD90C8F08F}" type="datetimeFigureOut">
               <a:rPr lang="pt-BR" smtClean="0"/>
-              <a:t>10/11/2019</a:t>
+              <a:t>11/11/2019</a:t>
             </a:fld>
             <a:endParaRPr lang="pt-BR"/>
           </a:p>
@@ -4582,7 +4589,7 @@
           <a:p>
             <a:fld id="{2E8FEB25-C4DF-4D32-82CE-89AD90C8F08F}" type="datetimeFigureOut">
               <a:rPr lang="pt-BR" smtClean="0"/>
-              <a:t>10/11/2019</a:t>
+              <a:t>11/11/2019</a:t>
             </a:fld>
             <a:endParaRPr lang="pt-BR"/>
           </a:p>
@@ -5330,7 +5337,7 @@
           <a:p>
             <a:fld id="{2E8FEB25-C4DF-4D32-82CE-89AD90C8F08F}" type="datetimeFigureOut">
               <a:rPr lang="pt-BR" smtClean="0"/>
-              <a:t>10/11/2019</a:t>
+              <a:t>11/11/2019</a:t>
             </a:fld>
             <a:endParaRPr lang="pt-BR"/>
           </a:p>
@@ -6116,6 +6123,215 @@
 </p:sld>
 </file>
 
+<file path=ppt/slides/slide10.xml><?xml version="1.0" encoding="utf-8"?>
+<p:sld xmlns:a="http://schemas.openxmlformats.org/drawingml/2006/main" xmlns:r="http://schemas.openxmlformats.org/officeDocument/2006/relationships" xmlns:p="http://schemas.openxmlformats.org/presentationml/2006/main">
+  <p:cSld>
+    <p:spTree>
+      <p:nvGrpSpPr>
+        <p:cNvPr id="1" name=""/>
+        <p:cNvGrpSpPr/>
+        <p:nvPr/>
+      </p:nvGrpSpPr>
+      <p:grpSpPr>
+        <a:xfrm>
+          <a:off x="0" y="0"/>
+          <a:ext cx="0" cy="0"/>
+          <a:chOff x="0" y="0"/>
+          <a:chExt cx="0" cy="0"/>
+        </a:xfrm>
+      </p:grpSpPr>
+      <p:sp>
+        <p:nvSpPr>
+          <p:cNvPr id="4" name="Título 1">
+            <a:extLst>
+              <a:ext uri="{FF2B5EF4-FFF2-40B4-BE49-F238E27FC236}">
+                <a16:creationId xmlns:a16="http://schemas.microsoft.com/office/drawing/2014/main" id="{76A60356-9ADD-4F8C-8FE8-CB1A5B4FA3D9}"/>
+              </a:ext>
+            </a:extLst>
+          </p:cNvPr>
+          <p:cNvSpPr txBox="1">
+            <a:spLocks/>
+          </p:cNvSpPr>
+          <p:nvPr/>
+        </p:nvSpPr>
+        <p:spPr>
+          <a:xfrm>
+            <a:off x="0" y="0"/>
+            <a:ext cx="9926053" cy="2568102"/>
+          </a:xfrm>
+          <a:prstGeom prst="rect">
+            <a:avLst/>
+          </a:prstGeom>
+        </p:spPr>
+        <p:txBody>
+          <a:bodyPr vert="horz" lIns="91440" tIns="45720" rIns="91440" bIns="45720" rtlCol="0" anchor="t">
+            <a:normAutofit/>
+          </a:bodyPr>
+          <a:lstStyle>
+            <a:lvl1pPr algn="l" defTabSz="457200" rtl="0" eaLnBrk="1" latinLnBrk="0" hangingPunct="1">
+              <a:spcBef>
+                <a:spcPct val="0"/>
+              </a:spcBef>
+              <a:buNone/>
+              <a:defRPr sz="3600" kern="1200">
+                <a:solidFill>
+                  <a:schemeClr val="accent1"/>
+                </a:solidFill>
+                <a:latin typeface="+mj-lt"/>
+                <a:ea typeface="+mj-ea"/>
+                <a:cs typeface="+mj-cs"/>
+              </a:defRPr>
+            </a:lvl1pPr>
+            <a:lvl2pPr eaLnBrk="1" hangingPunct="1">
+              <a:defRPr>
+                <a:solidFill>
+                  <a:schemeClr val="tx2"/>
+                </a:solidFill>
+              </a:defRPr>
+            </a:lvl2pPr>
+            <a:lvl3pPr eaLnBrk="1" hangingPunct="1">
+              <a:defRPr>
+                <a:solidFill>
+                  <a:schemeClr val="tx2"/>
+                </a:solidFill>
+              </a:defRPr>
+            </a:lvl3pPr>
+            <a:lvl4pPr eaLnBrk="1" hangingPunct="1">
+              <a:defRPr>
+                <a:solidFill>
+                  <a:schemeClr val="tx2"/>
+                </a:solidFill>
+              </a:defRPr>
+            </a:lvl4pPr>
+            <a:lvl5pPr eaLnBrk="1" hangingPunct="1">
+              <a:defRPr>
+                <a:solidFill>
+                  <a:schemeClr val="tx2"/>
+                </a:solidFill>
+              </a:defRPr>
+            </a:lvl5pPr>
+            <a:lvl6pPr eaLnBrk="1" hangingPunct="1">
+              <a:defRPr>
+                <a:solidFill>
+                  <a:schemeClr val="tx2"/>
+                </a:solidFill>
+              </a:defRPr>
+            </a:lvl6pPr>
+            <a:lvl7pPr eaLnBrk="1" hangingPunct="1">
+              <a:defRPr>
+                <a:solidFill>
+                  <a:schemeClr val="tx2"/>
+                </a:solidFill>
+              </a:defRPr>
+            </a:lvl7pPr>
+            <a:lvl8pPr eaLnBrk="1" hangingPunct="1">
+              <a:defRPr>
+                <a:solidFill>
+                  <a:schemeClr val="tx2"/>
+                </a:solidFill>
+              </a:defRPr>
+            </a:lvl8pPr>
+            <a:lvl9pPr eaLnBrk="1" hangingPunct="1">
+              <a:defRPr>
+                <a:solidFill>
+                  <a:schemeClr val="tx2"/>
+                </a:solidFill>
+              </a:defRPr>
+            </a:lvl9pPr>
+          </a:lstStyle>
+          <a:p>
+            <a:r>
+              <a:rPr lang="pt-BR" sz="3900" b="1" dirty="0"/>
+              <a:t>Análise e Projetos Orientados a Objetos</a:t>
+            </a:r>
+            <a:endParaRPr lang="pt-BR" sz="3900" dirty="0"/>
+          </a:p>
+        </p:txBody>
+      </p:sp>
+      <p:pic>
+        <p:nvPicPr>
+          <p:cNvPr id="6" name="Imagem 5">
+            <a:extLst>
+              <a:ext uri="{FF2B5EF4-FFF2-40B4-BE49-F238E27FC236}">
+                <a16:creationId xmlns:a16="http://schemas.microsoft.com/office/drawing/2014/main" id="{044A0D89-D9A4-4C95-90D0-5726ECCB8E14}"/>
+              </a:ext>
+            </a:extLst>
+          </p:cNvPr>
+          <p:cNvPicPr>
+            <a:picLocks noChangeAspect="1"/>
+          </p:cNvPicPr>
+          <p:nvPr/>
+        </p:nvPicPr>
+        <p:blipFill>
+          <a:blip r:embed="rId2">
+            <a:extLst>
+              <a:ext uri="{28A0092B-C50C-407E-A947-70E740481C1C}">
+                <a14:useLocalDpi xmlns:a14="http://schemas.microsoft.com/office/drawing/2010/main" val="0"/>
+              </a:ext>
+            </a:extLst>
+          </a:blip>
+          <a:stretch>
+            <a:fillRect/>
+          </a:stretch>
+        </p:blipFill>
+        <p:spPr>
+          <a:xfrm>
+            <a:off x="3324497" y="1099881"/>
+            <a:ext cx="3277057" cy="5125165"/>
+          </a:xfrm>
+          <a:prstGeom prst="rect">
+            <a:avLst/>
+          </a:prstGeom>
+        </p:spPr>
+      </p:pic>
+      <p:sp>
+        <p:nvSpPr>
+          <p:cNvPr id="7" name="CaixaDeTexto 6">
+            <a:extLst>
+              <a:ext uri="{FF2B5EF4-FFF2-40B4-BE49-F238E27FC236}">
+                <a16:creationId xmlns:a16="http://schemas.microsoft.com/office/drawing/2014/main" id="{6A5AE97C-390B-4004-9DAF-C30A3EC258E8}"/>
+              </a:ext>
+            </a:extLst>
+          </p:cNvPr>
+          <p:cNvSpPr txBox="1"/>
+          <p:nvPr/>
+        </p:nvSpPr>
+        <p:spPr>
+          <a:xfrm>
+            <a:off x="0" y="730549"/>
+            <a:ext cx="3968885" cy="369332"/>
+          </a:xfrm>
+          <a:prstGeom prst="rect">
+            <a:avLst/>
+          </a:prstGeom>
+          <a:noFill/>
+        </p:spPr>
+        <p:txBody>
+          <a:bodyPr wrap="square" rtlCol="0">
+            <a:spAutoFit/>
+          </a:bodyPr>
+          <a:lstStyle/>
+          <a:p>
+            <a:r>
+              <a:rPr lang="pt-BR" b="1" dirty="0"/>
+              <a:t>5 – Diagrama de Componentes</a:t>
+            </a:r>
+          </a:p>
+        </p:txBody>
+      </p:sp>
+    </p:spTree>
+    <p:extLst>
+      <p:ext uri="{BB962C8B-B14F-4D97-AF65-F5344CB8AC3E}">
+        <p14:creationId xmlns:p14="http://schemas.microsoft.com/office/powerpoint/2010/main" val="3375897670"/>
+      </p:ext>
+    </p:extLst>
+  </p:cSld>
+  <p:clrMapOvr>
+    <a:masterClrMapping/>
+  </p:clrMapOvr>
+</p:sld>
+</file>
+
 <file path=ppt/slides/slide2.xml><?xml version="1.0" encoding="utf-8"?>
 <p:sld xmlns:a="http://schemas.openxmlformats.org/drawingml/2006/main" xmlns:r="http://schemas.openxmlformats.org/officeDocument/2006/relationships" xmlns:p="http://schemas.openxmlformats.org/presentationml/2006/main">
   <p:cSld>
@@ -6944,7 +7160,7 @@
         <p:spPr>
           <a:xfrm>
             <a:off x="0" y="671528"/>
-            <a:ext cx="3949430" cy="369332"/>
+            <a:ext cx="5612860" cy="369332"/>
           </a:xfrm>
           <a:prstGeom prst="rect">
             <a:avLst/>
@@ -6959,7 +7175,7 @@
           <a:p>
             <a:r>
               <a:rPr lang="pt-BR" b="1" dirty="0"/>
-              <a:t>3.2 - Listagem</a:t>
+              <a:t>3.2 – Diagrama de Sequencia (Listagem)</a:t>
             </a:r>
           </a:p>
         </p:txBody>
@@ -6978,6 +7194,215 @@
 </file>
 
 <file path=ppt/slides/slide6.xml><?xml version="1.0" encoding="utf-8"?>
+<p:sld xmlns:a="http://schemas.openxmlformats.org/drawingml/2006/main" xmlns:r="http://schemas.openxmlformats.org/officeDocument/2006/relationships" xmlns:p="http://schemas.openxmlformats.org/presentationml/2006/main">
+  <p:cSld>
+    <p:spTree>
+      <p:nvGrpSpPr>
+        <p:cNvPr id="1" name=""/>
+        <p:cNvGrpSpPr/>
+        <p:nvPr/>
+      </p:nvGrpSpPr>
+      <p:grpSpPr>
+        <a:xfrm>
+          <a:off x="0" y="0"/>
+          <a:ext cx="0" cy="0"/>
+          <a:chOff x="0" y="0"/>
+          <a:chExt cx="0" cy="0"/>
+        </a:xfrm>
+      </p:grpSpPr>
+      <p:sp>
+        <p:nvSpPr>
+          <p:cNvPr id="4" name="Título 1">
+            <a:extLst>
+              <a:ext uri="{FF2B5EF4-FFF2-40B4-BE49-F238E27FC236}">
+                <a16:creationId xmlns:a16="http://schemas.microsoft.com/office/drawing/2014/main" id="{23771F69-720D-4A9D-90BA-DDBC8EF8EBE9}"/>
+              </a:ext>
+            </a:extLst>
+          </p:cNvPr>
+          <p:cNvSpPr txBox="1">
+            <a:spLocks/>
+          </p:cNvSpPr>
+          <p:nvPr/>
+        </p:nvSpPr>
+        <p:spPr>
+          <a:xfrm>
+            <a:off x="0" y="0"/>
+            <a:ext cx="9926053" cy="2568102"/>
+          </a:xfrm>
+          <a:prstGeom prst="rect">
+            <a:avLst/>
+          </a:prstGeom>
+        </p:spPr>
+        <p:txBody>
+          <a:bodyPr vert="horz" lIns="91440" tIns="45720" rIns="91440" bIns="45720" rtlCol="0" anchor="t">
+            <a:normAutofit/>
+          </a:bodyPr>
+          <a:lstStyle>
+            <a:lvl1pPr algn="l" defTabSz="457200" rtl="0" eaLnBrk="1" latinLnBrk="0" hangingPunct="1">
+              <a:spcBef>
+                <a:spcPct val="0"/>
+              </a:spcBef>
+              <a:buNone/>
+              <a:defRPr sz="3600" kern="1200">
+                <a:solidFill>
+                  <a:schemeClr val="accent1"/>
+                </a:solidFill>
+                <a:latin typeface="+mj-lt"/>
+                <a:ea typeface="+mj-ea"/>
+                <a:cs typeface="+mj-cs"/>
+              </a:defRPr>
+            </a:lvl1pPr>
+            <a:lvl2pPr eaLnBrk="1" hangingPunct="1">
+              <a:defRPr>
+                <a:solidFill>
+                  <a:schemeClr val="tx2"/>
+                </a:solidFill>
+              </a:defRPr>
+            </a:lvl2pPr>
+            <a:lvl3pPr eaLnBrk="1" hangingPunct="1">
+              <a:defRPr>
+                <a:solidFill>
+                  <a:schemeClr val="tx2"/>
+                </a:solidFill>
+              </a:defRPr>
+            </a:lvl3pPr>
+            <a:lvl4pPr eaLnBrk="1" hangingPunct="1">
+              <a:defRPr>
+                <a:solidFill>
+                  <a:schemeClr val="tx2"/>
+                </a:solidFill>
+              </a:defRPr>
+            </a:lvl4pPr>
+            <a:lvl5pPr eaLnBrk="1" hangingPunct="1">
+              <a:defRPr>
+                <a:solidFill>
+                  <a:schemeClr val="tx2"/>
+                </a:solidFill>
+              </a:defRPr>
+            </a:lvl5pPr>
+            <a:lvl6pPr eaLnBrk="1" hangingPunct="1">
+              <a:defRPr>
+                <a:solidFill>
+                  <a:schemeClr val="tx2"/>
+                </a:solidFill>
+              </a:defRPr>
+            </a:lvl6pPr>
+            <a:lvl7pPr eaLnBrk="1" hangingPunct="1">
+              <a:defRPr>
+                <a:solidFill>
+                  <a:schemeClr val="tx2"/>
+                </a:solidFill>
+              </a:defRPr>
+            </a:lvl7pPr>
+            <a:lvl8pPr eaLnBrk="1" hangingPunct="1">
+              <a:defRPr>
+                <a:solidFill>
+                  <a:schemeClr val="tx2"/>
+                </a:solidFill>
+              </a:defRPr>
+            </a:lvl8pPr>
+            <a:lvl9pPr eaLnBrk="1" hangingPunct="1">
+              <a:defRPr>
+                <a:solidFill>
+                  <a:schemeClr val="tx2"/>
+                </a:solidFill>
+              </a:defRPr>
+            </a:lvl9pPr>
+          </a:lstStyle>
+          <a:p>
+            <a:r>
+              <a:rPr lang="pt-BR" sz="3900" b="1" dirty="0"/>
+              <a:t>Análise e Projetos Orientados a Objetos</a:t>
+            </a:r>
+            <a:endParaRPr lang="pt-BR" sz="3900" dirty="0"/>
+          </a:p>
+        </p:txBody>
+      </p:sp>
+      <p:pic>
+        <p:nvPicPr>
+          <p:cNvPr id="6" name="Imagem 5">
+            <a:extLst>
+              <a:ext uri="{FF2B5EF4-FFF2-40B4-BE49-F238E27FC236}">
+                <a16:creationId xmlns:a16="http://schemas.microsoft.com/office/drawing/2014/main" id="{F16CEEC5-C397-4C82-B697-99F6AF76AE3D}"/>
+              </a:ext>
+            </a:extLst>
+          </p:cNvPr>
+          <p:cNvPicPr>
+            <a:picLocks noChangeAspect="1"/>
+          </p:cNvPicPr>
+          <p:nvPr/>
+        </p:nvPicPr>
+        <p:blipFill>
+          <a:blip r:embed="rId2">
+            <a:extLst>
+              <a:ext uri="{28A0092B-C50C-407E-A947-70E740481C1C}">
+                <a14:useLocalDpi xmlns:a14="http://schemas.microsoft.com/office/drawing/2010/main" val="0"/>
+              </a:ext>
+            </a:extLst>
+          </a:blip>
+          <a:stretch>
+            <a:fillRect/>
+          </a:stretch>
+        </p:blipFill>
+        <p:spPr>
+          <a:xfrm>
+            <a:off x="969821" y="1040860"/>
+            <a:ext cx="6619797" cy="5783094"/>
+          </a:xfrm>
+          <a:prstGeom prst="rect">
+            <a:avLst/>
+          </a:prstGeom>
+        </p:spPr>
+      </p:pic>
+      <p:sp>
+        <p:nvSpPr>
+          <p:cNvPr id="7" name="CaixaDeTexto 6">
+            <a:extLst>
+              <a:ext uri="{FF2B5EF4-FFF2-40B4-BE49-F238E27FC236}">
+                <a16:creationId xmlns:a16="http://schemas.microsoft.com/office/drawing/2014/main" id="{52A16F25-1ECB-491A-9934-2BD5F0421163}"/>
+              </a:ext>
+            </a:extLst>
+          </p:cNvPr>
+          <p:cNvSpPr txBox="1"/>
+          <p:nvPr/>
+        </p:nvSpPr>
+        <p:spPr>
+          <a:xfrm>
+            <a:off x="0" y="671528"/>
+            <a:ext cx="5612860" cy="369332"/>
+          </a:xfrm>
+          <a:prstGeom prst="rect">
+            <a:avLst/>
+          </a:prstGeom>
+          <a:noFill/>
+        </p:spPr>
+        <p:txBody>
+          <a:bodyPr wrap="square" rtlCol="0">
+            <a:spAutoFit/>
+          </a:bodyPr>
+          <a:lstStyle/>
+          <a:p>
+            <a:r>
+              <a:rPr lang="pt-BR" b="1" dirty="0"/>
+              <a:t>3.3 – Diagrama de Sequencia (Compartilhamento)</a:t>
+            </a:r>
+          </a:p>
+        </p:txBody>
+      </p:sp>
+    </p:spTree>
+    <p:extLst>
+      <p:ext uri="{BB962C8B-B14F-4D97-AF65-F5344CB8AC3E}">
+        <p14:creationId xmlns:p14="http://schemas.microsoft.com/office/powerpoint/2010/main" val="1722797069"/>
+      </p:ext>
+    </p:extLst>
+  </p:cSld>
+  <p:clrMapOvr>
+    <a:masterClrMapping/>
+  </p:clrMapOvr>
+</p:sld>
+</file>
+
+<file path=ppt/slides/slide7.xml><?xml version="1.0" encoding="utf-8"?>
 <p:sld xmlns:a="http://schemas.openxmlformats.org/drawingml/2006/main" xmlns:r="http://schemas.openxmlformats.org/officeDocument/2006/relationships" xmlns:p="http://schemas.openxmlformats.org/presentationml/2006/main">
   <p:cSld>
     <p:spTree>
@@ -7194,7 +7619,224 @@
 </p:sld>
 </file>
 
-<file path=ppt/slides/slide7.xml><?xml version="1.0" encoding="utf-8"?>
+<file path=ppt/slides/slide8.xml><?xml version="1.0" encoding="utf-8"?>
+<p:sld xmlns:a="http://schemas.openxmlformats.org/drawingml/2006/main" xmlns:r="http://schemas.openxmlformats.org/officeDocument/2006/relationships" xmlns:p="http://schemas.openxmlformats.org/presentationml/2006/main">
+  <p:cSld>
+    <p:spTree>
+      <p:nvGrpSpPr>
+        <p:cNvPr id="1" name=""/>
+        <p:cNvGrpSpPr/>
+        <p:nvPr/>
+      </p:nvGrpSpPr>
+      <p:grpSpPr>
+        <a:xfrm>
+          <a:off x="0" y="0"/>
+          <a:ext cx="0" cy="0"/>
+          <a:chOff x="0" y="0"/>
+          <a:chExt cx="0" cy="0"/>
+        </a:xfrm>
+      </p:grpSpPr>
+      <p:sp>
+        <p:nvSpPr>
+          <p:cNvPr id="4" name="Título 1">
+            <a:extLst>
+              <a:ext uri="{FF2B5EF4-FFF2-40B4-BE49-F238E27FC236}">
+                <a16:creationId xmlns:a16="http://schemas.microsoft.com/office/drawing/2014/main" id="{03960535-6B4A-40D9-8C10-553C3FB1D46A}"/>
+              </a:ext>
+            </a:extLst>
+          </p:cNvPr>
+          <p:cNvSpPr txBox="1">
+            <a:spLocks/>
+          </p:cNvSpPr>
+          <p:nvPr/>
+        </p:nvSpPr>
+        <p:spPr>
+          <a:xfrm>
+            <a:off x="0" y="0"/>
+            <a:ext cx="9926053" cy="2568102"/>
+          </a:xfrm>
+          <a:prstGeom prst="rect">
+            <a:avLst/>
+          </a:prstGeom>
+        </p:spPr>
+        <p:txBody>
+          <a:bodyPr vert="horz" lIns="91440" tIns="45720" rIns="91440" bIns="45720" rtlCol="0" anchor="t">
+            <a:normAutofit/>
+          </a:bodyPr>
+          <a:lstStyle>
+            <a:lvl1pPr algn="l" defTabSz="457200" rtl="0" eaLnBrk="1" latinLnBrk="0" hangingPunct="1">
+              <a:spcBef>
+                <a:spcPct val="0"/>
+              </a:spcBef>
+              <a:buNone/>
+              <a:defRPr sz="3600" kern="1200">
+                <a:solidFill>
+                  <a:schemeClr val="accent1"/>
+                </a:solidFill>
+                <a:latin typeface="+mj-lt"/>
+                <a:ea typeface="+mj-ea"/>
+                <a:cs typeface="+mj-cs"/>
+              </a:defRPr>
+            </a:lvl1pPr>
+            <a:lvl2pPr eaLnBrk="1" hangingPunct="1">
+              <a:defRPr>
+                <a:solidFill>
+                  <a:schemeClr val="tx2"/>
+                </a:solidFill>
+              </a:defRPr>
+            </a:lvl2pPr>
+            <a:lvl3pPr eaLnBrk="1" hangingPunct="1">
+              <a:defRPr>
+                <a:solidFill>
+                  <a:schemeClr val="tx2"/>
+                </a:solidFill>
+              </a:defRPr>
+            </a:lvl3pPr>
+            <a:lvl4pPr eaLnBrk="1" hangingPunct="1">
+              <a:defRPr>
+                <a:solidFill>
+                  <a:schemeClr val="tx2"/>
+                </a:solidFill>
+              </a:defRPr>
+            </a:lvl4pPr>
+            <a:lvl5pPr eaLnBrk="1" hangingPunct="1">
+              <a:defRPr>
+                <a:solidFill>
+                  <a:schemeClr val="tx2"/>
+                </a:solidFill>
+              </a:defRPr>
+            </a:lvl5pPr>
+            <a:lvl6pPr eaLnBrk="1" hangingPunct="1">
+              <a:defRPr>
+                <a:solidFill>
+                  <a:schemeClr val="tx2"/>
+                </a:solidFill>
+              </a:defRPr>
+            </a:lvl6pPr>
+            <a:lvl7pPr eaLnBrk="1" hangingPunct="1">
+              <a:defRPr>
+                <a:solidFill>
+                  <a:schemeClr val="tx2"/>
+                </a:solidFill>
+              </a:defRPr>
+            </a:lvl7pPr>
+            <a:lvl8pPr eaLnBrk="1" hangingPunct="1">
+              <a:defRPr>
+                <a:solidFill>
+                  <a:schemeClr val="tx2"/>
+                </a:solidFill>
+              </a:defRPr>
+            </a:lvl8pPr>
+            <a:lvl9pPr eaLnBrk="1" hangingPunct="1">
+              <a:defRPr>
+                <a:solidFill>
+                  <a:schemeClr val="tx2"/>
+                </a:solidFill>
+              </a:defRPr>
+            </a:lvl9pPr>
+          </a:lstStyle>
+          <a:p>
+            <a:r>
+              <a:rPr lang="pt-BR" sz="3900" b="1" dirty="0"/>
+              <a:t>Análise e Projetos Orientados a Objetos</a:t>
+            </a:r>
+            <a:endParaRPr lang="pt-BR" sz="3900" dirty="0"/>
+          </a:p>
+        </p:txBody>
+      </p:sp>
+      <p:pic>
+        <p:nvPicPr>
+          <p:cNvPr id="6" name="Imagem 5">
+            <a:extLst>
+              <a:ext uri="{FF2B5EF4-FFF2-40B4-BE49-F238E27FC236}">
+                <a16:creationId xmlns:a16="http://schemas.microsoft.com/office/drawing/2014/main" id="{7E8D4B07-DB37-4216-AD34-F389FA8FCAF3}"/>
+              </a:ext>
+            </a:extLst>
+          </p:cNvPr>
+          <p:cNvPicPr>
+            <a:picLocks noChangeAspect="1"/>
+          </p:cNvPicPr>
+          <p:nvPr/>
+        </p:nvPicPr>
+        <p:blipFill>
+          <a:blip r:embed="rId2">
+            <a:extLst>
+              <a:ext uri="{28A0092B-C50C-407E-A947-70E740481C1C}">
+                <a14:useLocalDpi xmlns:a14="http://schemas.microsoft.com/office/drawing/2010/main" val="0"/>
+              </a:ext>
+            </a:extLst>
+          </a:blip>
+          <a:stretch>
+            <a:fillRect/>
+          </a:stretch>
+        </p:blipFill>
+        <p:spPr>
+          <a:xfrm>
+            <a:off x="1079173" y="1206230"/>
+            <a:ext cx="6060930" cy="5651770"/>
+          </a:xfrm>
+          <a:prstGeom prst="rect">
+            <a:avLst/>
+          </a:prstGeom>
+        </p:spPr>
+      </p:pic>
+      <p:sp>
+        <p:nvSpPr>
+          <p:cNvPr id="7" name="CaixaDeTexto 6">
+            <a:extLst>
+              <a:ext uri="{FF2B5EF4-FFF2-40B4-BE49-F238E27FC236}">
+                <a16:creationId xmlns:a16="http://schemas.microsoft.com/office/drawing/2014/main" id="{0E29C791-F610-41A2-9E58-923400AD3C2B}"/>
+              </a:ext>
+            </a:extLst>
+          </p:cNvPr>
+          <p:cNvSpPr txBox="1"/>
+          <p:nvPr/>
+        </p:nvSpPr>
+        <p:spPr>
+          <a:xfrm>
+            <a:off x="-686398" y="637720"/>
+            <a:ext cx="4951379" cy="646331"/>
+          </a:xfrm>
+          <a:prstGeom prst="rect">
+            <a:avLst/>
+          </a:prstGeom>
+          <a:noFill/>
+        </p:spPr>
+        <p:txBody>
+          <a:bodyPr wrap="square" rtlCol="0">
+            <a:spAutoFit/>
+          </a:bodyPr>
+          <a:lstStyle/>
+          <a:p>
+            <a:pPr algn="ctr"/>
+            <a:r>
+              <a:rPr lang="pt-BR" b="1" dirty="0"/>
+              <a:t>4.2 – Diagrama de </a:t>
+            </a:r>
+          </a:p>
+          <a:p>
+            <a:pPr algn="ctr"/>
+            <a:r>
+              <a:rPr lang="pt-BR" b="1" dirty="0"/>
+              <a:t> Atividade(Compartilhamento)</a:t>
+            </a:r>
+          </a:p>
+        </p:txBody>
+      </p:sp>
+    </p:spTree>
+    <p:extLst>
+      <p:ext uri="{BB962C8B-B14F-4D97-AF65-F5344CB8AC3E}">
+        <p14:creationId xmlns:p14="http://schemas.microsoft.com/office/powerpoint/2010/main" val="4249854374"/>
+      </p:ext>
+    </p:extLst>
+  </p:cSld>
+  <p:clrMapOvr>
+    <a:masterClrMapping/>
+  </p:clrMapOvr>
+</p:sld>
+</file>
+
+<file path=ppt/slides/slide9.xml><?xml version="1.0" encoding="utf-8"?>
 <p:sld xmlns:a="http://schemas.openxmlformats.org/drawingml/2006/main" xmlns:r="http://schemas.openxmlformats.org/officeDocument/2006/relationships" xmlns:p="http://schemas.openxmlformats.org/presentationml/2006/main">
   <p:cSld>
     <p:spTree>
@@ -7386,7 +8028,7 @@
             <a:pPr algn="ctr"/>
             <a:r>
               <a:rPr lang="pt-BR" b="1" dirty="0"/>
-              <a:t>4.2 – Diagrama de </a:t>
+              <a:t>4.3 – Diagrama de </a:t>
             </a:r>
           </a:p>
           <a:p>
@@ -7402,215 +8044,6 @@
     <p:extLst>
       <p:ext uri="{BB962C8B-B14F-4D97-AF65-F5344CB8AC3E}">
         <p14:creationId xmlns:p14="http://schemas.microsoft.com/office/powerpoint/2010/main" val="3243359594"/>
-      </p:ext>
-    </p:extLst>
-  </p:cSld>
-  <p:clrMapOvr>
-    <a:masterClrMapping/>
-  </p:clrMapOvr>
-</p:sld>
-</file>
-
-<file path=ppt/slides/slide8.xml><?xml version="1.0" encoding="utf-8"?>
-<p:sld xmlns:a="http://schemas.openxmlformats.org/drawingml/2006/main" xmlns:r="http://schemas.openxmlformats.org/officeDocument/2006/relationships" xmlns:p="http://schemas.openxmlformats.org/presentationml/2006/main">
-  <p:cSld>
-    <p:spTree>
-      <p:nvGrpSpPr>
-        <p:cNvPr id="1" name=""/>
-        <p:cNvGrpSpPr/>
-        <p:nvPr/>
-      </p:nvGrpSpPr>
-      <p:grpSpPr>
-        <a:xfrm>
-          <a:off x="0" y="0"/>
-          <a:ext cx="0" cy="0"/>
-          <a:chOff x="0" y="0"/>
-          <a:chExt cx="0" cy="0"/>
-        </a:xfrm>
-      </p:grpSpPr>
-      <p:sp>
-        <p:nvSpPr>
-          <p:cNvPr id="4" name="Título 1">
-            <a:extLst>
-              <a:ext uri="{FF2B5EF4-FFF2-40B4-BE49-F238E27FC236}">
-                <a16:creationId xmlns:a16="http://schemas.microsoft.com/office/drawing/2014/main" id="{76A60356-9ADD-4F8C-8FE8-CB1A5B4FA3D9}"/>
-              </a:ext>
-            </a:extLst>
-          </p:cNvPr>
-          <p:cNvSpPr txBox="1">
-            <a:spLocks/>
-          </p:cNvSpPr>
-          <p:nvPr/>
-        </p:nvSpPr>
-        <p:spPr>
-          <a:xfrm>
-            <a:off x="0" y="0"/>
-            <a:ext cx="9926053" cy="2568102"/>
-          </a:xfrm>
-          <a:prstGeom prst="rect">
-            <a:avLst/>
-          </a:prstGeom>
-        </p:spPr>
-        <p:txBody>
-          <a:bodyPr vert="horz" lIns="91440" tIns="45720" rIns="91440" bIns="45720" rtlCol="0" anchor="t">
-            <a:normAutofit/>
-          </a:bodyPr>
-          <a:lstStyle>
-            <a:lvl1pPr algn="l" defTabSz="457200" rtl="0" eaLnBrk="1" latinLnBrk="0" hangingPunct="1">
-              <a:spcBef>
-                <a:spcPct val="0"/>
-              </a:spcBef>
-              <a:buNone/>
-              <a:defRPr sz="3600" kern="1200">
-                <a:solidFill>
-                  <a:schemeClr val="accent1"/>
-                </a:solidFill>
-                <a:latin typeface="+mj-lt"/>
-                <a:ea typeface="+mj-ea"/>
-                <a:cs typeface="+mj-cs"/>
-              </a:defRPr>
-            </a:lvl1pPr>
-            <a:lvl2pPr eaLnBrk="1" hangingPunct="1">
-              <a:defRPr>
-                <a:solidFill>
-                  <a:schemeClr val="tx2"/>
-                </a:solidFill>
-              </a:defRPr>
-            </a:lvl2pPr>
-            <a:lvl3pPr eaLnBrk="1" hangingPunct="1">
-              <a:defRPr>
-                <a:solidFill>
-                  <a:schemeClr val="tx2"/>
-                </a:solidFill>
-              </a:defRPr>
-            </a:lvl3pPr>
-            <a:lvl4pPr eaLnBrk="1" hangingPunct="1">
-              <a:defRPr>
-                <a:solidFill>
-                  <a:schemeClr val="tx2"/>
-                </a:solidFill>
-              </a:defRPr>
-            </a:lvl4pPr>
-            <a:lvl5pPr eaLnBrk="1" hangingPunct="1">
-              <a:defRPr>
-                <a:solidFill>
-                  <a:schemeClr val="tx2"/>
-                </a:solidFill>
-              </a:defRPr>
-            </a:lvl5pPr>
-            <a:lvl6pPr eaLnBrk="1" hangingPunct="1">
-              <a:defRPr>
-                <a:solidFill>
-                  <a:schemeClr val="tx2"/>
-                </a:solidFill>
-              </a:defRPr>
-            </a:lvl6pPr>
-            <a:lvl7pPr eaLnBrk="1" hangingPunct="1">
-              <a:defRPr>
-                <a:solidFill>
-                  <a:schemeClr val="tx2"/>
-                </a:solidFill>
-              </a:defRPr>
-            </a:lvl7pPr>
-            <a:lvl8pPr eaLnBrk="1" hangingPunct="1">
-              <a:defRPr>
-                <a:solidFill>
-                  <a:schemeClr val="tx2"/>
-                </a:solidFill>
-              </a:defRPr>
-            </a:lvl8pPr>
-            <a:lvl9pPr eaLnBrk="1" hangingPunct="1">
-              <a:defRPr>
-                <a:solidFill>
-                  <a:schemeClr val="tx2"/>
-                </a:solidFill>
-              </a:defRPr>
-            </a:lvl9pPr>
-          </a:lstStyle>
-          <a:p>
-            <a:r>
-              <a:rPr lang="pt-BR" sz="3900" b="1" dirty="0"/>
-              <a:t>Análise e Projetos Orientados a Objetos</a:t>
-            </a:r>
-            <a:endParaRPr lang="pt-BR" sz="3900" dirty="0"/>
-          </a:p>
-        </p:txBody>
-      </p:sp>
-      <p:pic>
-        <p:nvPicPr>
-          <p:cNvPr id="6" name="Imagem 5">
-            <a:extLst>
-              <a:ext uri="{FF2B5EF4-FFF2-40B4-BE49-F238E27FC236}">
-                <a16:creationId xmlns:a16="http://schemas.microsoft.com/office/drawing/2014/main" id="{044A0D89-D9A4-4C95-90D0-5726ECCB8E14}"/>
-              </a:ext>
-            </a:extLst>
-          </p:cNvPr>
-          <p:cNvPicPr>
-            <a:picLocks noChangeAspect="1"/>
-          </p:cNvPicPr>
-          <p:nvPr/>
-        </p:nvPicPr>
-        <p:blipFill>
-          <a:blip r:embed="rId2">
-            <a:extLst>
-              <a:ext uri="{28A0092B-C50C-407E-A947-70E740481C1C}">
-                <a14:useLocalDpi xmlns:a14="http://schemas.microsoft.com/office/drawing/2010/main" val="0"/>
-              </a:ext>
-            </a:extLst>
-          </a:blip>
-          <a:stretch>
-            <a:fillRect/>
-          </a:stretch>
-        </p:blipFill>
-        <p:spPr>
-          <a:xfrm>
-            <a:off x="3324497" y="1099881"/>
-            <a:ext cx="3277057" cy="5125165"/>
-          </a:xfrm>
-          <a:prstGeom prst="rect">
-            <a:avLst/>
-          </a:prstGeom>
-        </p:spPr>
-      </p:pic>
-      <p:sp>
-        <p:nvSpPr>
-          <p:cNvPr id="7" name="CaixaDeTexto 6">
-            <a:extLst>
-              <a:ext uri="{FF2B5EF4-FFF2-40B4-BE49-F238E27FC236}">
-                <a16:creationId xmlns:a16="http://schemas.microsoft.com/office/drawing/2014/main" id="{6A5AE97C-390B-4004-9DAF-C30A3EC258E8}"/>
-              </a:ext>
-            </a:extLst>
-          </p:cNvPr>
-          <p:cNvSpPr txBox="1"/>
-          <p:nvPr/>
-        </p:nvSpPr>
-        <p:spPr>
-          <a:xfrm>
-            <a:off x="0" y="730549"/>
-            <a:ext cx="3968885" cy="369332"/>
-          </a:xfrm>
-          <a:prstGeom prst="rect">
-            <a:avLst/>
-          </a:prstGeom>
-          <a:noFill/>
-        </p:spPr>
-        <p:txBody>
-          <a:bodyPr wrap="square" rtlCol="0">
-            <a:spAutoFit/>
-          </a:bodyPr>
-          <a:lstStyle/>
-          <a:p>
-            <a:r>
-              <a:rPr lang="pt-BR" b="1" dirty="0"/>
-              <a:t>5 – Diagrama de Componentes</a:t>
-            </a:r>
-          </a:p>
-        </p:txBody>
-      </p:sp>
-    </p:spTree>
-    <p:extLst>
-      <p:ext uri="{BB962C8B-B14F-4D97-AF65-F5344CB8AC3E}">
-        <p14:creationId xmlns:p14="http://schemas.microsoft.com/office/powerpoint/2010/main" val="3375897670"/>
       </p:ext>
     </p:extLst>
   </p:cSld>

--- a/Apresentação.pptx
+++ b/Apresentação.pptx
@@ -6,15 +6,16 @@
   </p:sldMasterIdLst>
   <p:sldIdLst>
     <p:sldId id="256" r:id="rId2"/>
-    <p:sldId id="257" r:id="rId3"/>
-    <p:sldId id="258" r:id="rId4"/>
-    <p:sldId id="259" r:id="rId5"/>
-    <p:sldId id="260" r:id="rId6"/>
-    <p:sldId id="265" r:id="rId7"/>
-    <p:sldId id="261" r:id="rId8"/>
-    <p:sldId id="264" r:id="rId9"/>
-    <p:sldId id="262" r:id="rId10"/>
-    <p:sldId id="263" r:id="rId11"/>
+    <p:sldId id="266" r:id="rId3"/>
+    <p:sldId id="257" r:id="rId4"/>
+    <p:sldId id="258" r:id="rId5"/>
+    <p:sldId id="259" r:id="rId6"/>
+    <p:sldId id="260" r:id="rId7"/>
+    <p:sldId id="265" r:id="rId8"/>
+    <p:sldId id="261" r:id="rId9"/>
+    <p:sldId id="264" r:id="rId10"/>
+    <p:sldId id="262" r:id="rId11"/>
+    <p:sldId id="263" r:id="rId12"/>
   </p:sldIdLst>
   <p:sldSz cx="12192000" cy="6858000"/>
   <p:notesSz cx="6858000" cy="9144000"/>
@@ -119,6 +120,7 @@
         <p14:section name="Seção Padrão" id="{4E74E058-2172-4F81-BFDA-4D3B1FF5000C}">
           <p14:sldIdLst>
             <p14:sldId id="256"/>
+            <p14:sldId id="266"/>
             <p14:sldId id="257"/>
             <p14:sldId id="258"/>
             <p14:sldId id="259"/>
@@ -6145,6 +6147,223 @@
           <p:cNvPr id="4" name="Título 1">
             <a:extLst>
               <a:ext uri="{FF2B5EF4-FFF2-40B4-BE49-F238E27FC236}">
+                <a16:creationId xmlns:a16="http://schemas.microsoft.com/office/drawing/2014/main" id="{5C344EC5-C89C-4393-9165-ACCCFB02827B}"/>
+              </a:ext>
+            </a:extLst>
+          </p:cNvPr>
+          <p:cNvSpPr txBox="1">
+            <a:spLocks/>
+          </p:cNvSpPr>
+          <p:nvPr/>
+        </p:nvSpPr>
+        <p:spPr>
+          <a:xfrm>
+            <a:off x="0" y="0"/>
+            <a:ext cx="9926053" cy="2568102"/>
+          </a:xfrm>
+          <a:prstGeom prst="rect">
+            <a:avLst/>
+          </a:prstGeom>
+        </p:spPr>
+        <p:txBody>
+          <a:bodyPr vert="horz" lIns="91440" tIns="45720" rIns="91440" bIns="45720" rtlCol="0" anchor="t">
+            <a:normAutofit/>
+          </a:bodyPr>
+          <a:lstStyle>
+            <a:lvl1pPr algn="l" defTabSz="457200" rtl="0" eaLnBrk="1" latinLnBrk="0" hangingPunct="1">
+              <a:spcBef>
+                <a:spcPct val="0"/>
+              </a:spcBef>
+              <a:buNone/>
+              <a:defRPr sz="3600" kern="1200">
+                <a:solidFill>
+                  <a:schemeClr val="accent1"/>
+                </a:solidFill>
+                <a:latin typeface="+mj-lt"/>
+                <a:ea typeface="+mj-ea"/>
+                <a:cs typeface="+mj-cs"/>
+              </a:defRPr>
+            </a:lvl1pPr>
+            <a:lvl2pPr eaLnBrk="1" hangingPunct="1">
+              <a:defRPr>
+                <a:solidFill>
+                  <a:schemeClr val="tx2"/>
+                </a:solidFill>
+              </a:defRPr>
+            </a:lvl2pPr>
+            <a:lvl3pPr eaLnBrk="1" hangingPunct="1">
+              <a:defRPr>
+                <a:solidFill>
+                  <a:schemeClr val="tx2"/>
+                </a:solidFill>
+              </a:defRPr>
+            </a:lvl3pPr>
+            <a:lvl4pPr eaLnBrk="1" hangingPunct="1">
+              <a:defRPr>
+                <a:solidFill>
+                  <a:schemeClr val="tx2"/>
+                </a:solidFill>
+              </a:defRPr>
+            </a:lvl4pPr>
+            <a:lvl5pPr eaLnBrk="1" hangingPunct="1">
+              <a:defRPr>
+                <a:solidFill>
+                  <a:schemeClr val="tx2"/>
+                </a:solidFill>
+              </a:defRPr>
+            </a:lvl5pPr>
+            <a:lvl6pPr eaLnBrk="1" hangingPunct="1">
+              <a:defRPr>
+                <a:solidFill>
+                  <a:schemeClr val="tx2"/>
+                </a:solidFill>
+              </a:defRPr>
+            </a:lvl6pPr>
+            <a:lvl7pPr eaLnBrk="1" hangingPunct="1">
+              <a:defRPr>
+                <a:solidFill>
+                  <a:schemeClr val="tx2"/>
+                </a:solidFill>
+              </a:defRPr>
+            </a:lvl7pPr>
+            <a:lvl8pPr eaLnBrk="1" hangingPunct="1">
+              <a:defRPr>
+                <a:solidFill>
+                  <a:schemeClr val="tx2"/>
+                </a:solidFill>
+              </a:defRPr>
+            </a:lvl8pPr>
+            <a:lvl9pPr eaLnBrk="1" hangingPunct="1">
+              <a:defRPr>
+                <a:solidFill>
+                  <a:schemeClr val="tx2"/>
+                </a:solidFill>
+              </a:defRPr>
+            </a:lvl9pPr>
+          </a:lstStyle>
+          <a:p>
+            <a:r>
+              <a:rPr lang="pt-BR" sz="3900" b="1" dirty="0"/>
+              <a:t>Análise e Projetos Orientados a Objetos</a:t>
+            </a:r>
+            <a:endParaRPr lang="pt-BR" sz="3900" dirty="0"/>
+          </a:p>
+        </p:txBody>
+      </p:sp>
+      <p:pic>
+        <p:nvPicPr>
+          <p:cNvPr id="6" name="Imagem 5">
+            <a:extLst>
+              <a:ext uri="{FF2B5EF4-FFF2-40B4-BE49-F238E27FC236}">
+                <a16:creationId xmlns:a16="http://schemas.microsoft.com/office/drawing/2014/main" id="{1E9DCD12-A13B-46D1-BCC9-B8E3F07B623B}"/>
+              </a:ext>
+            </a:extLst>
+          </p:cNvPr>
+          <p:cNvPicPr>
+            <a:picLocks noChangeAspect="1"/>
+          </p:cNvPicPr>
+          <p:nvPr/>
+        </p:nvPicPr>
+        <p:blipFill>
+          <a:blip r:embed="rId2">
+            <a:extLst>
+              <a:ext uri="{28A0092B-C50C-407E-A947-70E740481C1C}">
+                <a14:useLocalDpi xmlns:a14="http://schemas.microsoft.com/office/drawing/2010/main" val="0"/>
+              </a:ext>
+            </a:extLst>
+          </a:blip>
+          <a:stretch>
+            <a:fillRect/>
+          </a:stretch>
+        </p:blipFill>
+        <p:spPr>
+          <a:xfrm>
+            <a:off x="2026092" y="651753"/>
+            <a:ext cx="4458322" cy="6114817"/>
+          </a:xfrm>
+          <a:prstGeom prst="rect">
+            <a:avLst/>
+          </a:prstGeom>
+        </p:spPr>
+      </p:pic>
+      <p:sp>
+        <p:nvSpPr>
+          <p:cNvPr id="7" name="CaixaDeTexto 6">
+            <a:extLst>
+              <a:ext uri="{FF2B5EF4-FFF2-40B4-BE49-F238E27FC236}">
+                <a16:creationId xmlns:a16="http://schemas.microsoft.com/office/drawing/2014/main" id="{2BF711FE-DD9D-421D-9A8D-81CCC1F2E616}"/>
+              </a:ext>
+            </a:extLst>
+          </p:cNvPr>
+          <p:cNvSpPr txBox="1"/>
+          <p:nvPr/>
+        </p:nvSpPr>
+        <p:spPr>
+          <a:xfrm>
+            <a:off x="-449598" y="651753"/>
+            <a:ext cx="4951379" cy="646331"/>
+          </a:xfrm>
+          <a:prstGeom prst="rect">
+            <a:avLst/>
+          </a:prstGeom>
+          <a:noFill/>
+        </p:spPr>
+        <p:txBody>
+          <a:bodyPr wrap="square" rtlCol="0">
+            <a:spAutoFit/>
+          </a:bodyPr>
+          <a:lstStyle/>
+          <a:p>
+            <a:pPr algn="ctr"/>
+            <a:r>
+              <a:rPr lang="pt-BR" b="1" dirty="0"/>
+              <a:t>4.3 – Diagrama de </a:t>
+            </a:r>
+          </a:p>
+          <a:p>
+            <a:pPr algn="ctr"/>
+            <a:r>
+              <a:rPr lang="pt-BR" b="1" dirty="0"/>
+              <a:t> Atividade(Listagem)</a:t>
+            </a:r>
+          </a:p>
+        </p:txBody>
+      </p:sp>
+    </p:spTree>
+    <p:extLst>
+      <p:ext uri="{BB962C8B-B14F-4D97-AF65-F5344CB8AC3E}">
+        <p14:creationId xmlns:p14="http://schemas.microsoft.com/office/powerpoint/2010/main" val="3243359594"/>
+      </p:ext>
+    </p:extLst>
+  </p:cSld>
+  <p:clrMapOvr>
+    <a:masterClrMapping/>
+  </p:clrMapOvr>
+</p:sld>
+</file>
+
+<file path=ppt/slides/slide11.xml><?xml version="1.0" encoding="utf-8"?>
+<p:sld xmlns:a="http://schemas.openxmlformats.org/drawingml/2006/main" xmlns:r="http://schemas.openxmlformats.org/officeDocument/2006/relationships" xmlns:p="http://schemas.openxmlformats.org/presentationml/2006/main">
+  <p:cSld>
+    <p:spTree>
+      <p:nvGrpSpPr>
+        <p:cNvPr id="1" name=""/>
+        <p:cNvGrpSpPr/>
+        <p:nvPr/>
+      </p:nvGrpSpPr>
+      <p:grpSpPr>
+        <a:xfrm>
+          <a:off x="0" y="0"/>
+          <a:ext cx="0" cy="0"/>
+          <a:chOff x="0" y="0"/>
+          <a:chExt cx="0" cy="0"/>
+        </a:xfrm>
+      </p:grpSpPr>
+      <p:sp>
+        <p:nvSpPr>
+          <p:cNvPr id="4" name="Título 1">
+            <a:extLst>
+              <a:ext uri="{FF2B5EF4-FFF2-40B4-BE49-F238E27FC236}">
                 <a16:creationId xmlns:a16="http://schemas.microsoft.com/office/drawing/2014/main" id="{76A60356-9ADD-4F8C-8FE8-CB1A5B4FA3D9}"/>
               </a:ext>
             </a:extLst>
@@ -6333,6 +6552,206 @@
 </file>
 
 <file path=ppt/slides/slide2.xml><?xml version="1.0" encoding="utf-8"?>
+<p:sld xmlns:a="http://schemas.openxmlformats.org/drawingml/2006/main" xmlns:r="http://schemas.openxmlformats.org/officeDocument/2006/relationships" xmlns:p="http://schemas.openxmlformats.org/presentationml/2006/main">
+  <p:cSld>
+    <p:spTree>
+      <p:nvGrpSpPr>
+        <p:cNvPr id="1" name=""/>
+        <p:cNvGrpSpPr/>
+        <p:nvPr/>
+      </p:nvGrpSpPr>
+      <p:grpSpPr>
+        <a:xfrm>
+          <a:off x="0" y="0"/>
+          <a:ext cx="0" cy="0"/>
+          <a:chOff x="0" y="0"/>
+          <a:chExt cx="0" cy="0"/>
+        </a:xfrm>
+      </p:grpSpPr>
+      <p:sp>
+        <p:nvSpPr>
+          <p:cNvPr id="5" name="CaixaDeTexto 4">
+            <a:extLst>
+              <a:ext uri="{FF2B5EF4-FFF2-40B4-BE49-F238E27FC236}">
+                <a16:creationId xmlns:a16="http://schemas.microsoft.com/office/drawing/2014/main" id="{3399B0D3-E0A5-48A0-9363-01B2622FEF09}"/>
+              </a:ext>
+            </a:extLst>
+          </p:cNvPr>
+          <p:cNvSpPr txBox="1"/>
+          <p:nvPr/>
+        </p:nvSpPr>
+        <p:spPr>
+          <a:xfrm>
+            <a:off x="583660" y="1527243"/>
+            <a:ext cx="8443608" cy="4001095"/>
+          </a:xfrm>
+          <a:prstGeom prst="rect">
+            <a:avLst/>
+          </a:prstGeom>
+          <a:noFill/>
+        </p:spPr>
+        <p:txBody>
+          <a:bodyPr wrap="square" rtlCol="0" anchor="ctr">
+            <a:spAutoFit/>
+          </a:bodyPr>
+          <a:lstStyle/>
+          <a:p>
+            <a:pPr lvl="1" algn="ctr"/>
+            <a:r>
+              <a:rPr lang="pt-BR" b="1" dirty="0"/>
+              <a:t>Escopo do Software</a:t>
+            </a:r>
+          </a:p>
+          <a:p>
+            <a:pPr lvl="1" algn="ctr"/>
+            <a:endParaRPr lang="pt-BR" sz="2000" dirty="0"/>
+          </a:p>
+          <a:p>
+            <a:r>
+              <a:rPr lang="pt-BR" dirty="0"/>
+              <a:t>O Sistema, um software de gerenciamento de armazenamento pessoal necessita de uma interface em que os usuários possam cadastrar e fazer a manutenção dos locais, itens salvos, e para consultar os itens que deseja encontrar. A criação de um produto só poderá ser feita se o local selecionado existir cadastrado no sistema.</a:t>
+            </a:r>
+          </a:p>
+          <a:p>
+            <a:r>
+              <a:rPr lang="pt-BR" dirty="0"/>
+              <a:t>Outro ponto importante a ser observado é a facilidade de se realizar apenas consulta ao produto e cômodo, podendo esta ser realizada levando-se em conta os itens: local, nome.</a:t>
+            </a:r>
+          </a:p>
+          <a:p>
+            <a:r>
+              <a:rPr lang="pt-BR" dirty="0"/>
+              <a:t>Quanto aos usuários secundários, estes podem realizar pesquisas, cadastros e exclusão mediante cadastro prévio e aprovação pelo usuário primário do sistema que deseja acessar.</a:t>
+            </a:r>
+          </a:p>
+          <a:p>
+            <a:pPr algn="ctr"/>
+            <a:endParaRPr lang="pt-BR" dirty="0"/>
+          </a:p>
+        </p:txBody>
+      </p:sp>
+      <p:sp>
+        <p:nvSpPr>
+          <p:cNvPr id="6" name="Título 1">
+            <a:extLst>
+              <a:ext uri="{FF2B5EF4-FFF2-40B4-BE49-F238E27FC236}">
+                <a16:creationId xmlns:a16="http://schemas.microsoft.com/office/drawing/2014/main" id="{B22AD0B3-D2F4-48E8-A31F-CEC5AA6022B0}"/>
+              </a:ext>
+            </a:extLst>
+          </p:cNvPr>
+          <p:cNvSpPr txBox="1">
+            <a:spLocks/>
+          </p:cNvSpPr>
+          <p:nvPr/>
+        </p:nvSpPr>
+        <p:spPr>
+          <a:xfrm>
+            <a:off x="0" y="0"/>
+            <a:ext cx="9926053" cy="2568102"/>
+          </a:xfrm>
+          <a:prstGeom prst="rect">
+            <a:avLst/>
+          </a:prstGeom>
+        </p:spPr>
+        <p:txBody>
+          <a:bodyPr vert="horz" lIns="91440" tIns="45720" rIns="91440" bIns="45720" rtlCol="0" anchor="t">
+            <a:normAutofit/>
+          </a:bodyPr>
+          <a:lstStyle>
+            <a:lvl1pPr algn="l" defTabSz="457200" rtl="0" eaLnBrk="1" latinLnBrk="0" hangingPunct="1">
+              <a:spcBef>
+                <a:spcPct val="0"/>
+              </a:spcBef>
+              <a:buNone/>
+              <a:defRPr sz="3600" kern="1200">
+                <a:solidFill>
+                  <a:schemeClr val="accent1"/>
+                </a:solidFill>
+                <a:latin typeface="+mj-lt"/>
+                <a:ea typeface="+mj-ea"/>
+                <a:cs typeface="+mj-cs"/>
+              </a:defRPr>
+            </a:lvl1pPr>
+            <a:lvl2pPr eaLnBrk="1" hangingPunct="1">
+              <a:defRPr>
+                <a:solidFill>
+                  <a:schemeClr val="tx2"/>
+                </a:solidFill>
+              </a:defRPr>
+            </a:lvl2pPr>
+            <a:lvl3pPr eaLnBrk="1" hangingPunct="1">
+              <a:defRPr>
+                <a:solidFill>
+                  <a:schemeClr val="tx2"/>
+                </a:solidFill>
+              </a:defRPr>
+            </a:lvl3pPr>
+            <a:lvl4pPr eaLnBrk="1" hangingPunct="1">
+              <a:defRPr>
+                <a:solidFill>
+                  <a:schemeClr val="tx2"/>
+                </a:solidFill>
+              </a:defRPr>
+            </a:lvl4pPr>
+            <a:lvl5pPr eaLnBrk="1" hangingPunct="1">
+              <a:defRPr>
+                <a:solidFill>
+                  <a:schemeClr val="tx2"/>
+                </a:solidFill>
+              </a:defRPr>
+            </a:lvl5pPr>
+            <a:lvl6pPr eaLnBrk="1" hangingPunct="1">
+              <a:defRPr>
+                <a:solidFill>
+                  <a:schemeClr val="tx2"/>
+                </a:solidFill>
+              </a:defRPr>
+            </a:lvl6pPr>
+            <a:lvl7pPr eaLnBrk="1" hangingPunct="1">
+              <a:defRPr>
+                <a:solidFill>
+                  <a:schemeClr val="tx2"/>
+                </a:solidFill>
+              </a:defRPr>
+            </a:lvl7pPr>
+            <a:lvl8pPr eaLnBrk="1" hangingPunct="1">
+              <a:defRPr>
+                <a:solidFill>
+                  <a:schemeClr val="tx2"/>
+                </a:solidFill>
+              </a:defRPr>
+            </a:lvl8pPr>
+            <a:lvl9pPr eaLnBrk="1" hangingPunct="1">
+              <a:defRPr>
+                <a:solidFill>
+                  <a:schemeClr val="tx2"/>
+                </a:solidFill>
+              </a:defRPr>
+            </a:lvl9pPr>
+          </a:lstStyle>
+          <a:p>
+            <a:r>
+              <a:rPr lang="pt-BR" sz="3900" b="1" dirty="0"/>
+              <a:t>Análise e Projetos Orientados a Objetos</a:t>
+            </a:r>
+            <a:endParaRPr lang="pt-BR" sz="3900" dirty="0"/>
+          </a:p>
+        </p:txBody>
+      </p:sp>
+    </p:spTree>
+    <p:extLst>
+      <p:ext uri="{BB962C8B-B14F-4D97-AF65-F5344CB8AC3E}">
+        <p14:creationId xmlns:p14="http://schemas.microsoft.com/office/powerpoint/2010/main" val="1524057618"/>
+      </p:ext>
+    </p:extLst>
+  </p:cSld>
+  <p:clrMapOvr>
+    <a:masterClrMapping/>
+  </p:clrMapOvr>
+</p:sld>
+</file>
+
+<file path=ppt/slides/slide3.xml><?xml version="1.0" encoding="utf-8"?>
 <p:sld xmlns:a="http://schemas.openxmlformats.org/drawingml/2006/main" xmlns:r="http://schemas.openxmlformats.org/officeDocument/2006/relationships" xmlns:p="http://schemas.openxmlformats.org/presentationml/2006/main">
   <p:cSld>
     <p:spTree>
@@ -6545,7 +6964,7 @@
           </a:lstStyle>
           <a:p>
             <a:r>
-              <a:rPr lang="pt-BR" sz="3900" b="1"/>
+              <a:rPr lang="pt-BR" sz="3900" b="1" dirty="0"/>
               <a:t>Análise e Projetos Orientados a Objetos</a:t>
             </a:r>
             <a:endParaRPr lang="pt-BR" sz="3900" dirty="0"/>
@@ -6565,7 +6984,7 @@
 </p:sld>
 </file>
 
-<file path=ppt/slides/slide3.xml><?xml version="1.0" encoding="utf-8"?>
+<file path=ppt/slides/slide4.xml><?xml version="1.0" encoding="utf-8"?>
 <p:sld xmlns:a="http://schemas.openxmlformats.org/drawingml/2006/main" xmlns:r="http://schemas.openxmlformats.org/officeDocument/2006/relationships" xmlns:p="http://schemas.openxmlformats.org/presentationml/2006/main">
   <p:cSld>
     <p:spTree>
@@ -6798,7 +7217,7 @@
 </p:sld>
 </file>
 
-<file path=ppt/slides/slide4.xml><?xml version="1.0" encoding="utf-8"?>
+<file path=ppt/slides/slide5.xml><?xml version="1.0" encoding="utf-8"?>
 <p:sld xmlns:a="http://schemas.openxmlformats.org/drawingml/2006/main" xmlns:r="http://schemas.openxmlformats.org/officeDocument/2006/relationships" xmlns:p="http://schemas.openxmlformats.org/presentationml/2006/main">
   <p:cSld>
     <p:spTree>
@@ -6960,7 +7379,7 @@
 </p:sld>
 </file>
 
-<file path=ppt/slides/slide5.xml><?xml version="1.0" encoding="utf-8"?>
+<file path=ppt/slides/slide6.xml><?xml version="1.0" encoding="utf-8"?>
 <p:sld xmlns:a="http://schemas.openxmlformats.org/drawingml/2006/main" xmlns:r="http://schemas.openxmlformats.org/officeDocument/2006/relationships" xmlns:p="http://schemas.openxmlformats.org/presentationml/2006/main">
   <p:cSld>
     <p:spTree>
@@ -7193,7 +7612,7 @@
 </p:sld>
 </file>
 
-<file path=ppt/slides/slide6.xml><?xml version="1.0" encoding="utf-8"?>
+<file path=ppt/slides/slide7.xml><?xml version="1.0" encoding="utf-8"?>
 <p:sld xmlns:a="http://schemas.openxmlformats.org/drawingml/2006/main" xmlns:r="http://schemas.openxmlformats.org/officeDocument/2006/relationships" xmlns:p="http://schemas.openxmlformats.org/presentationml/2006/main">
   <p:cSld>
     <p:spTree>
@@ -7402,7 +7821,7 @@
 </p:sld>
 </file>
 
-<file path=ppt/slides/slide7.xml><?xml version="1.0" encoding="utf-8"?>
+<file path=ppt/slides/slide8.xml><?xml version="1.0" encoding="utf-8"?>
 <p:sld xmlns:a="http://schemas.openxmlformats.org/drawingml/2006/main" xmlns:r="http://schemas.openxmlformats.org/officeDocument/2006/relationships" xmlns:p="http://schemas.openxmlformats.org/presentationml/2006/main">
   <p:cSld>
     <p:spTree>
@@ -7601,7 +8020,7 @@
             <a:pPr algn="ctr"/>
             <a:r>
               <a:rPr lang="pt-BR" b="1" dirty="0"/>
-              <a:t> Atividade(Alteração de Cadastro)</a:t>
+              <a:t> Atividade(Alteração/Cadastro)</a:t>
             </a:r>
           </a:p>
         </p:txBody>
@@ -7619,7 +8038,7 @@
 </p:sld>
 </file>
 
-<file path=ppt/slides/slide8.xml><?xml version="1.0" encoding="utf-8"?>
+<file path=ppt/slides/slide9.xml><?xml version="1.0" encoding="utf-8"?>
 <p:sld xmlns:a="http://schemas.openxmlformats.org/drawingml/2006/main" xmlns:r="http://schemas.openxmlformats.org/officeDocument/2006/relationships" xmlns:p="http://schemas.openxmlformats.org/presentationml/2006/main">
   <p:cSld>
     <p:spTree>
@@ -7794,7 +8213,7 @@
         </p:nvSpPr>
         <p:spPr>
           <a:xfrm>
-            <a:off x="-686398" y="637720"/>
+            <a:off x="-472390" y="637720"/>
             <a:ext cx="4951379" cy="646331"/>
           </a:xfrm>
           <a:prstGeom prst="rect">
@@ -7827,223 +8246,6 @@
     <p:extLst>
       <p:ext uri="{BB962C8B-B14F-4D97-AF65-F5344CB8AC3E}">
         <p14:creationId xmlns:p14="http://schemas.microsoft.com/office/powerpoint/2010/main" val="4249854374"/>
-      </p:ext>
-    </p:extLst>
-  </p:cSld>
-  <p:clrMapOvr>
-    <a:masterClrMapping/>
-  </p:clrMapOvr>
-</p:sld>
-</file>
-
-<file path=ppt/slides/slide9.xml><?xml version="1.0" encoding="utf-8"?>
-<p:sld xmlns:a="http://schemas.openxmlformats.org/drawingml/2006/main" xmlns:r="http://schemas.openxmlformats.org/officeDocument/2006/relationships" xmlns:p="http://schemas.openxmlformats.org/presentationml/2006/main">
-  <p:cSld>
-    <p:spTree>
-      <p:nvGrpSpPr>
-        <p:cNvPr id="1" name=""/>
-        <p:cNvGrpSpPr/>
-        <p:nvPr/>
-      </p:nvGrpSpPr>
-      <p:grpSpPr>
-        <a:xfrm>
-          <a:off x="0" y="0"/>
-          <a:ext cx="0" cy="0"/>
-          <a:chOff x="0" y="0"/>
-          <a:chExt cx="0" cy="0"/>
-        </a:xfrm>
-      </p:grpSpPr>
-      <p:sp>
-        <p:nvSpPr>
-          <p:cNvPr id="4" name="Título 1">
-            <a:extLst>
-              <a:ext uri="{FF2B5EF4-FFF2-40B4-BE49-F238E27FC236}">
-                <a16:creationId xmlns:a16="http://schemas.microsoft.com/office/drawing/2014/main" id="{5C344EC5-C89C-4393-9165-ACCCFB02827B}"/>
-              </a:ext>
-            </a:extLst>
-          </p:cNvPr>
-          <p:cNvSpPr txBox="1">
-            <a:spLocks/>
-          </p:cNvSpPr>
-          <p:nvPr/>
-        </p:nvSpPr>
-        <p:spPr>
-          <a:xfrm>
-            <a:off x="0" y="0"/>
-            <a:ext cx="9926053" cy="2568102"/>
-          </a:xfrm>
-          <a:prstGeom prst="rect">
-            <a:avLst/>
-          </a:prstGeom>
-        </p:spPr>
-        <p:txBody>
-          <a:bodyPr vert="horz" lIns="91440" tIns="45720" rIns="91440" bIns="45720" rtlCol="0" anchor="t">
-            <a:normAutofit/>
-          </a:bodyPr>
-          <a:lstStyle>
-            <a:lvl1pPr algn="l" defTabSz="457200" rtl="0" eaLnBrk="1" latinLnBrk="0" hangingPunct="1">
-              <a:spcBef>
-                <a:spcPct val="0"/>
-              </a:spcBef>
-              <a:buNone/>
-              <a:defRPr sz="3600" kern="1200">
-                <a:solidFill>
-                  <a:schemeClr val="accent1"/>
-                </a:solidFill>
-                <a:latin typeface="+mj-lt"/>
-                <a:ea typeface="+mj-ea"/>
-                <a:cs typeface="+mj-cs"/>
-              </a:defRPr>
-            </a:lvl1pPr>
-            <a:lvl2pPr eaLnBrk="1" hangingPunct="1">
-              <a:defRPr>
-                <a:solidFill>
-                  <a:schemeClr val="tx2"/>
-                </a:solidFill>
-              </a:defRPr>
-            </a:lvl2pPr>
-            <a:lvl3pPr eaLnBrk="1" hangingPunct="1">
-              <a:defRPr>
-                <a:solidFill>
-                  <a:schemeClr val="tx2"/>
-                </a:solidFill>
-              </a:defRPr>
-            </a:lvl3pPr>
-            <a:lvl4pPr eaLnBrk="1" hangingPunct="1">
-              <a:defRPr>
-                <a:solidFill>
-                  <a:schemeClr val="tx2"/>
-                </a:solidFill>
-              </a:defRPr>
-            </a:lvl4pPr>
-            <a:lvl5pPr eaLnBrk="1" hangingPunct="1">
-              <a:defRPr>
-                <a:solidFill>
-                  <a:schemeClr val="tx2"/>
-                </a:solidFill>
-              </a:defRPr>
-            </a:lvl5pPr>
-            <a:lvl6pPr eaLnBrk="1" hangingPunct="1">
-              <a:defRPr>
-                <a:solidFill>
-                  <a:schemeClr val="tx2"/>
-                </a:solidFill>
-              </a:defRPr>
-            </a:lvl6pPr>
-            <a:lvl7pPr eaLnBrk="1" hangingPunct="1">
-              <a:defRPr>
-                <a:solidFill>
-                  <a:schemeClr val="tx2"/>
-                </a:solidFill>
-              </a:defRPr>
-            </a:lvl7pPr>
-            <a:lvl8pPr eaLnBrk="1" hangingPunct="1">
-              <a:defRPr>
-                <a:solidFill>
-                  <a:schemeClr val="tx2"/>
-                </a:solidFill>
-              </a:defRPr>
-            </a:lvl8pPr>
-            <a:lvl9pPr eaLnBrk="1" hangingPunct="1">
-              <a:defRPr>
-                <a:solidFill>
-                  <a:schemeClr val="tx2"/>
-                </a:solidFill>
-              </a:defRPr>
-            </a:lvl9pPr>
-          </a:lstStyle>
-          <a:p>
-            <a:r>
-              <a:rPr lang="pt-BR" sz="3900" b="1" dirty="0"/>
-              <a:t>Análise e Projetos Orientados a Objetos</a:t>
-            </a:r>
-            <a:endParaRPr lang="pt-BR" sz="3900" dirty="0"/>
-          </a:p>
-        </p:txBody>
-      </p:sp>
-      <p:pic>
-        <p:nvPicPr>
-          <p:cNvPr id="6" name="Imagem 5">
-            <a:extLst>
-              <a:ext uri="{FF2B5EF4-FFF2-40B4-BE49-F238E27FC236}">
-                <a16:creationId xmlns:a16="http://schemas.microsoft.com/office/drawing/2014/main" id="{1E9DCD12-A13B-46D1-BCC9-B8E3F07B623B}"/>
-              </a:ext>
-            </a:extLst>
-          </p:cNvPr>
-          <p:cNvPicPr>
-            <a:picLocks noChangeAspect="1"/>
-          </p:cNvPicPr>
-          <p:nvPr/>
-        </p:nvPicPr>
-        <p:blipFill>
-          <a:blip r:embed="rId2">
-            <a:extLst>
-              <a:ext uri="{28A0092B-C50C-407E-A947-70E740481C1C}">
-                <a14:useLocalDpi xmlns:a14="http://schemas.microsoft.com/office/drawing/2010/main" val="0"/>
-              </a:ext>
-            </a:extLst>
-          </a:blip>
-          <a:stretch>
-            <a:fillRect/>
-          </a:stretch>
-        </p:blipFill>
-        <p:spPr>
-          <a:xfrm>
-            <a:off x="2026092" y="651753"/>
-            <a:ext cx="4458322" cy="6114817"/>
-          </a:xfrm>
-          <a:prstGeom prst="rect">
-            <a:avLst/>
-          </a:prstGeom>
-        </p:spPr>
-      </p:pic>
-      <p:sp>
-        <p:nvSpPr>
-          <p:cNvPr id="7" name="CaixaDeTexto 6">
-            <a:extLst>
-              <a:ext uri="{FF2B5EF4-FFF2-40B4-BE49-F238E27FC236}">
-                <a16:creationId xmlns:a16="http://schemas.microsoft.com/office/drawing/2014/main" id="{2BF711FE-DD9D-421D-9A8D-81CCC1F2E616}"/>
-              </a:ext>
-            </a:extLst>
-          </p:cNvPr>
-          <p:cNvSpPr txBox="1"/>
-          <p:nvPr/>
-        </p:nvSpPr>
-        <p:spPr>
-          <a:xfrm>
-            <a:off x="-1415547" y="637720"/>
-            <a:ext cx="4951379" cy="646331"/>
-          </a:xfrm>
-          <a:prstGeom prst="rect">
-            <a:avLst/>
-          </a:prstGeom>
-          <a:noFill/>
-        </p:spPr>
-        <p:txBody>
-          <a:bodyPr wrap="square" rtlCol="0">
-            <a:spAutoFit/>
-          </a:bodyPr>
-          <a:lstStyle/>
-          <a:p>
-            <a:pPr algn="ctr"/>
-            <a:r>
-              <a:rPr lang="pt-BR" b="1" dirty="0"/>
-              <a:t>4.3 – Diagrama de </a:t>
-            </a:r>
-          </a:p>
-          <a:p>
-            <a:pPr algn="ctr"/>
-            <a:r>
-              <a:rPr lang="pt-BR" b="1" dirty="0"/>
-              <a:t> Atividade(Listagem)</a:t>
-            </a:r>
-          </a:p>
-        </p:txBody>
-      </p:sp>
-    </p:spTree>
-    <p:extLst>
-      <p:ext uri="{BB962C8B-B14F-4D97-AF65-F5344CB8AC3E}">
-        <p14:creationId xmlns:p14="http://schemas.microsoft.com/office/powerpoint/2010/main" val="3243359594"/>
       </p:ext>
     </p:extLst>
   </p:cSld>
